--- a/DSA/Notes/7searching&hashing.pptx
+++ b/DSA/Notes/7searching&hashing.pptx
@@ -300,7 +300,7 @@
           <a:p>
             <a:fld id="{1D8BD707-D9CF-40AE-B4C6-C98DA3205C09}" type="datetimeFigureOut">
               <a:rPr lang="en-US"/>
-              <a:t>2/20/2025</a:t>
+              <a:t>3/27/2025</a:t>
             </a:fld>
             <a:endParaRPr lang="en-US"/>
           </a:p>
@@ -471,7 +471,7 @@
           <a:p>
             <a:fld id="{1D8BD707-D9CF-40AE-B4C6-C98DA3205C09}" type="datetimeFigureOut">
               <a:rPr lang="en-US"/>
-              <a:t>2/20/2025</a:t>
+              <a:t>3/27/2025</a:t>
             </a:fld>
             <a:endParaRPr lang="en-US"/>
           </a:p>
@@ -685,7 +685,7 @@
           <a:p>
             <a:fld id="{1D8BD707-D9CF-40AE-B4C6-C98DA3205C09}" type="datetimeFigureOut">
               <a:rPr lang="en-US"/>
-              <a:t>2/20/2025</a:t>
+              <a:t>3/27/2025</a:t>
             </a:fld>
             <a:endParaRPr lang="en-US"/>
           </a:p>
@@ -833,7 +833,7 @@
           <a:p>
             <a:fld id="{1D8BD707-D9CF-40AE-B4C6-C98DA3205C09}" type="datetimeFigureOut">
               <a:rPr lang="en-US"/>
-              <a:t>2/20/2025</a:t>
+              <a:t>3/27/2025</a:t>
             </a:fld>
             <a:endParaRPr lang="en-US"/>
           </a:p>
@@ -952,7 +952,7 @@
           <a:p>
             <a:fld id="{1D8BD707-D9CF-40AE-B4C6-C98DA3205C09}" type="datetimeFigureOut">
               <a:rPr lang="en-US"/>
-              <a:t>2/20/2025</a:t>
+              <a:t>3/27/2025</a:t>
             </a:fld>
             <a:endParaRPr lang="en-US"/>
           </a:p>
@@ -1171,7 +1171,7 @@
           <a:p>
             <a:fld id="{1D8BD707-D9CF-40AE-B4C6-C98DA3205C09}" type="datetimeFigureOut">
               <a:rPr lang="en-US"/>
-              <a:t>2/20/2025</a:t>
+              <a:t>3/27/2025</a:t>
             </a:fld>
             <a:endParaRPr lang="en-US"/>
           </a:p>
